--- a/Data/20160727_172238/snapshots/tracking.pptx
+++ b/Data/20160727_172238/snapshots/tracking.pptx
@@ -6,6 +6,7 @@
   </p:sldMasterIdLst>
   <p:sldIdLst>
     <p:sldId id="256" r:id="rId2"/>
+    <p:sldId id="257" r:id="rId3"/>
   </p:sldIdLst>
   <p:sldSz cx="12192000" cy="6858000"/>
   <p:notesSz cx="6858000" cy="9144000"/>
@@ -104,6 +105,11 @@
       </a:defRPr>
     </a:lvl9pPr>
   </p:defaultTextStyle>
+  <p:extLst>
+    <p:ext uri="{EFAFB233-063F-42B5-8137-9DF3F51BA10A}">
+      <p15:sldGuideLst xmlns:p15="http://schemas.microsoft.com/office/powerpoint/2012/main"/>
+    </p:ext>
+  </p:extLst>
 </p:presentation>
 </file>
 
@@ -2973,6 +2979,336 @@
           <p:nvPr/>
         </p:nvPicPr>
         <p:blipFill>
+          <a:blip r:embed="rId2" cstate="print">
+            <a:extLst>
+              <a:ext uri="{28A0092B-C50C-407E-A947-70E740481C1C}">
+                <a14:useLocalDpi xmlns:a14="http://schemas.microsoft.com/office/drawing/2010/main" val="0"/>
+              </a:ext>
+            </a:extLst>
+          </a:blip>
+          <a:stretch>
+            <a:fillRect/>
+          </a:stretch>
+        </p:blipFill>
+        <p:spPr>
+          <a:xfrm>
+            <a:off x="3179762" y="4253050"/>
+            <a:ext cx="2023586" cy="1733550"/>
+          </a:xfrm>
+          <a:prstGeom prst="rect">
+            <a:avLst/>
+          </a:prstGeom>
+        </p:spPr>
+      </p:pic>
+      <p:pic>
+        <p:nvPicPr>
+          <p:cNvPr id="15" name="Picture 14"/>
+          <p:cNvPicPr>
+            <a:picLocks noChangeAspect="1"/>
+          </p:cNvPicPr>
+          <p:nvPr/>
+        </p:nvPicPr>
+        <p:blipFill>
+          <a:blip r:embed="rId3" cstate="print">
+            <a:extLst>
+              <a:ext uri="{28A0092B-C50C-407E-A947-70E740481C1C}">
+                <a14:useLocalDpi xmlns:a14="http://schemas.microsoft.com/office/drawing/2010/main" val="0"/>
+              </a:ext>
+            </a:extLst>
+          </a:blip>
+          <a:stretch>
+            <a:fillRect/>
+          </a:stretch>
+        </p:blipFill>
+        <p:spPr>
+          <a:xfrm>
+            <a:off x="416741" y="4059675"/>
+            <a:ext cx="2023586" cy="1733550"/>
+          </a:xfrm>
+          <a:prstGeom prst="rect">
+            <a:avLst/>
+          </a:prstGeom>
+        </p:spPr>
+      </p:pic>
+      <p:pic>
+        <p:nvPicPr>
+          <p:cNvPr id="16" name="Picture 15"/>
+          <p:cNvPicPr>
+            <a:picLocks noChangeAspect="1"/>
+          </p:cNvPicPr>
+          <p:nvPr/>
+        </p:nvPicPr>
+        <p:blipFill>
+          <a:blip r:embed="rId4" cstate="print">
+            <a:extLst>
+              <a:ext uri="{28A0092B-C50C-407E-A947-70E740481C1C}">
+                <a14:useLocalDpi xmlns:a14="http://schemas.microsoft.com/office/drawing/2010/main" val="0"/>
+              </a:ext>
+            </a:extLst>
+          </a:blip>
+          <a:stretch>
+            <a:fillRect/>
+          </a:stretch>
+        </p:blipFill>
+        <p:spPr>
+          <a:xfrm>
+            <a:off x="8575504" y="2303825"/>
+            <a:ext cx="2023586" cy="1733550"/>
+          </a:xfrm>
+          <a:prstGeom prst="rect">
+            <a:avLst/>
+          </a:prstGeom>
+        </p:spPr>
+      </p:pic>
+      <p:pic>
+        <p:nvPicPr>
+          <p:cNvPr id="17" name="Picture 16"/>
+          <p:cNvPicPr>
+            <a:picLocks noChangeAspect="1"/>
+          </p:cNvPicPr>
+          <p:nvPr/>
+        </p:nvPicPr>
+        <p:blipFill>
+          <a:blip r:embed="rId5" cstate="print">
+            <a:extLst>
+              <a:ext uri="{28A0092B-C50C-407E-A947-70E740481C1C}">
+                <a14:useLocalDpi xmlns:a14="http://schemas.microsoft.com/office/drawing/2010/main" val="0"/>
+              </a:ext>
+            </a:extLst>
+          </a:blip>
+          <a:stretch>
+            <a:fillRect/>
+          </a:stretch>
+        </p:blipFill>
+        <p:spPr>
+          <a:xfrm>
+            <a:off x="5942783" y="2326125"/>
+            <a:ext cx="2023586" cy="1733550"/>
+          </a:xfrm>
+          <a:prstGeom prst="rect">
+            <a:avLst/>
+          </a:prstGeom>
+        </p:spPr>
+      </p:pic>
+      <p:pic>
+        <p:nvPicPr>
+          <p:cNvPr id="18" name="Picture 17"/>
+          <p:cNvPicPr>
+            <a:picLocks noChangeAspect="1"/>
+          </p:cNvPicPr>
+          <p:nvPr/>
+        </p:nvPicPr>
+        <p:blipFill>
+          <a:blip r:embed="rId6" cstate="print">
+            <a:extLst>
+              <a:ext uri="{28A0092B-C50C-407E-A947-70E740481C1C}">
+                <a14:useLocalDpi xmlns:a14="http://schemas.microsoft.com/office/drawing/2010/main" val="0"/>
+              </a:ext>
+            </a:extLst>
+          </a:blip>
+          <a:stretch>
+            <a:fillRect/>
+          </a:stretch>
+        </p:blipFill>
+        <p:spPr>
+          <a:xfrm>
+            <a:off x="3179762" y="2326125"/>
+            <a:ext cx="2023586" cy="1733550"/>
+          </a:xfrm>
+          <a:prstGeom prst="rect">
+            <a:avLst/>
+          </a:prstGeom>
+        </p:spPr>
+      </p:pic>
+      <p:pic>
+        <p:nvPicPr>
+          <p:cNvPr id="19" name="Picture 18"/>
+          <p:cNvPicPr>
+            <a:picLocks noChangeAspect="1"/>
+          </p:cNvPicPr>
+          <p:nvPr/>
+        </p:nvPicPr>
+        <p:blipFill>
+          <a:blip r:embed="rId7" cstate="print">
+            <a:extLst>
+              <a:ext uri="{28A0092B-C50C-407E-A947-70E740481C1C}">
+                <a14:useLocalDpi xmlns:a14="http://schemas.microsoft.com/office/drawing/2010/main" val="0"/>
+              </a:ext>
+            </a:extLst>
+          </a:blip>
+          <a:stretch>
+            <a:fillRect/>
+          </a:stretch>
+        </p:blipFill>
+        <p:spPr>
+          <a:xfrm>
+            <a:off x="416741" y="2326125"/>
+            <a:ext cx="2023586" cy="1733550"/>
+          </a:xfrm>
+          <a:prstGeom prst="rect">
+            <a:avLst/>
+          </a:prstGeom>
+        </p:spPr>
+      </p:pic>
+      <p:pic>
+        <p:nvPicPr>
+          <p:cNvPr id="20" name="Picture 19"/>
+          <p:cNvPicPr>
+            <a:picLocks noChangeAspect="1"/>
+          </p:cNvPicPr>
+          <p:nvPr/>
+        </p:nvPicPr>
+        <p:blipFill>
+          <a:blip r:embed="rId8" cstate="print">
+            <a:extLst>
+              <a:ext uri="{28A0092B-C50C-407E-A947-70E740481C1C}">
+                <a14:useLocalDpi xmlns:a14="http://schemas.microsoft.com/office/drawing/2010/main" val="0"/>
+              </a:ext>
+            </a:extLst>
+          </a:blip>
+          <a:stretch>
+            <a:fillRect/>
+          </a:stretch>
+        </p:blipFill>
+        <p:spPr>
+          <a:xfrm>
+            <a:off x="8600904" y="356150"/>
+            <a:ext cx="2023586" cy="1733550"/>
+          </a:xfrm>
+          <a:prstGeom prst="rect">
+            <a:avLst/>
+          </a:prstGeom>
+        </p:spPr>
+      </p:pic>
+      <p:pic>
+        <p:nvPicPr>
+          <p:cNvPr id="21" name="Picture 20"/>
+          <p:cNvPicPr>
+            <a:picLocks noChangeAspect="1"/>
+          </p:cNvPicPr>
+          <p:nvPr/>
+        </p:nvPicPr>
+        <p:blipFill>
+          <a:blip r:embed="rId9" cstate="print">
+            <a:extLst>
+              <a:ext uri="{28A0092B-C50C-407E-A947-70E740481C1C}">
+                <a14:useLocalDpi xmlns:a14="http://schemas.microsoft.com/office/drawing/2010/main" val="0"/>
+              </a:ext>
+            </a:extLst>
+          </a:blip>
+          <a:stretch>
+            <a:fillRect/>
+          </a:stretch>
+        </p:blipFill>
+        <p:spPr>
+          <a:xfrm>
+            <a:off x="5972795" y="631050"/>
+            <a:ext cx="2023586" cy="1733550"/>
+          </a:xfrm>
+          <a:prstGeom prst="rect">
+            <a:avLst/>
+          </a:prstGeom>
+        </p:spPr>
+      </p:pic>
+      <p:pic>
+        <p:nvPicPr>
+          <p:cNvPr id="22" name="Picture 21"/>
+          <p:cNvPicPr>
+            <a:picLocks noChangeAspect="1"/>
+          </p:cNvPicPr>
+          <p:nvPr/>
+        </p:nvPicPr>
+        <p:blipFill>
+          <a:blip r:embed="rId10" cstate="print">
+            <a:extLst>
+              <a:ext uri="{28A0092B-C50C-407E-A947-70E740481C1C}">
+                <a14:useLocalDpi xmlns:a14="http://schemas.microsoft.com/office/drawing/2010/main" val="0"/>
+              </a:ext>
+            </a:extLst>
+          </a:blip>
+          <a:stretch>
+            <a:fillRect/>
+          </a:stretch>
+        </p:blipFill>
+        <p:spPr>
+          <a:xfrm>
+            <a:off x="3205163" y="448725"/>
+            <a:ext cx="2286953" cy="1816894"/>
+          </a:xfrm>
+          <a:prstGeom prst="rect">
+            <a:avLst/>
+          </a:prstGeom>
+        </p:spPr>
+      </p:pic>
+      <p:pic>
+        <p:nvPicPr>
+          <p:cNvPr id="23" name="Picture 22"/>
+          <p:cNvPicPr>
+            <a:picLocks noChangeAspect="1"/>
+          </p:cNvPicPr>
+          <p:nvPr/>
+        </p:nvPicPr>
+        <p:blipFill>
+          <a:blip r:embed="rId11" cstate="print">
+            <a:extLst>
+              <a:ext uri="{28A0092B-C50C-407E-A947-70E740481C1C}">
+                <a14:useLocalDpi xmlns:a14="http://schemas.microsoft.com/office/drawing/2010/main" val="0"/>
+              </a:ext>
+            </a:extLst>
+          </a:blip>
+          <a:stretch>
+            <a:fillRect/>
+          </a:stretch>
+        </p:blipFill>
+        <p:spPr>
+          <a:xfrm>
+            <a:off x="471673" y="448725"/>
+            <a:ext cx="2023586" cy="1733550"/>
+          </a:xfrm>
+          <a:prstGeom prst="rect">
+            <a:avLst/>
+          </a:prstGeom>
+        </p:spPr>
+      </p:pic>
+    </p:spTree>
+    <p:extLst>
+      <p:ext uri="{BB962C8B-B14F-4D97-AF65-F5344CB8AC3E}">
+        <p14:creationId xmlns:p14="http://schemas.microsoft.com/office/powerpoint/2010/main" val="2154693636"/>
+      </p:ext>
+    </p:extLst>
+  </p:cSld>
+  <p:clrMapOvr>
+    <a:masterClrMapping/>
+  </p:clrMapOvr>
+</p:sld>
+</file>
+
+<file path=ppt/slides/slide2.xml><?xml version="1.0" encoding="utf-8"?>
+<p:sld xmlns:a="http://schemas.openxmlformats.org/drawingml/2006/main" xmlns:r="http://schemas.openxmlformats.org/officeDocument/2006/relationships" xmlns:p="http://schemas.openxmlformats.org/presentationml/2006/main">
+  <p:cSld>
+    <p:spTree>
+      <p:nvGrpSpPr>
+        <p:cNvPr id="1" name=""/>
+        <p:cNvGrpSpPr/>
+        <p:nvPr/>
+      </p:nvGrpSpPr>
+      <p:grpSpPr>
+        <a:xfrm>
+          <a:off x="0" y="0"/>
+          <a:ext cx="0" cy="0"/>
+          <a:chOff x="0" y="0"/>
+          <a:chExt cx="0" cy="0"/>
+        </a:xfrm>
+      </p:grpSpPr>
+      <p:pic>
+        <p:nvPicPr>
+          <p:cNvPr id="13" name="Picture 12"/>
+          <p:cNvPicPr>
+            <a:picLocks noChangeAspect="1"/>
+          </p:cNvPicPr>
+          <p:nvPr/>
+        </p:nvPicPr>
+        <p:blipFill>
           <a:blip r:embed="rId2">
             <a:extLst>
               <a:ext uri="{28A0092B-C50C-407E-A947-70E740481C1C}">
@@ -2986,8 +3322,8 @@
         </p:blipFill>
         <p:spPr>
           <a:xfrm>
-            <a:off x="9862619" y="5726250"/>
-            <a:ext cx="3202158" cy="2743200"/>
+            <a:off x="614361" y="635844"/>
+            <a:ext cx="2733675" cy="981075"/>
           </a:xfrm>
           <a:prstGeom prst="rect">
             <a:avLst/>
@@ -2996,7 +3332,7 @@
       </p:pic>
       <p:pic>
         <p:nvPicPr>
-          <p:cNvPr id="15" name="Picture 14"/>
+          <p:cNvPr id="14" name="Picture 13"/>
           <p:cNvPicPr>
             <a:picLocks noChangeAspect="1"/>
           </p:cNvPicPr>
@@ -3016,8 +3352,8 @@
         </p:blipFill>
         <p:spPr>
           <a:xfrm>
-            <a:off x="6660461" y="5726250"/>
-            <a:ext cx="3202158" cy="2743200"/>
+            <a:off x="4298062" y="652462"/>
+            <a:ext cx="2371725" cy="1019175"/>
           </a:xfrm>
           <a:prstGeom prst="rect">
             <a:avLst/>
@@ -3026,7 +3362,7 @@
       </p:pic>
       <p:pic>
         <p:nvPicPr>
-          <p:cNvPr id="16" name="Picture 15"/>
+          <p:cNvPr id="15" name="Picture 14"/>
           <p:cNvPicPr>
             <a:picLocks noChangeAspect="1"/>
           </p:cNvPicPr>
@@ -3046,8 +3382,8 @@
         </p:blipFill>
         <p:spPr>
           <a:xfrm>
-            <a:off x="3205162" y="5726250"/>
-            <a:ext cx="3202158" cy="2743200"/>
+            <a:off x="7805625" y="671511"/>
+            <a:ext cx="2209800" cy="981075"/>
           </a:xfrm>
           <a:prstGeom prst="rect">
             <a:avLst/>
@@ -3056,7 +3392,7 @@
       </p:pic>
       <p:pic>
         <p:nvPicPr>
-          <p:cNvPr id="17" name="Picture 16"/>
+          <p:cNvPr id="16" name="Picture 15"/>
           <p:cNvPicPr>
             <a:picLocks noChangeAspect="1"/>
           </p:cNvPicPr>
@@ -3076,8 +3412,8 @@
         </p:blipFill>
         <p:spPr>
           <a:xfrm>
-            <a:off x="3004" y="5657400"/>
-            <a:ext cx="3202158" cy="2743200"/>
+            <a:off x="659511" y="2226412"/>
+            <a:ext cx="2314575" cy="1019175"/>
           </a:xfrm>
           <a:prstGeom prst="rect">
             <a:avLst/>
@@ -3086,7 +3422,7 @@
       </p:pic>
       <p:pic>
         <p:nvPicPr>
-          <p:cNvPr id="18" name="Picture 17"/>
+          <p:cNvPr id="17" name="Picture 16"/>
           <p:cNvPicPr>
             <a:picLocks noChangeAspect="1"/>
           </p:cNvPicPr>
@@ -3106,8 +3442,8 @@
         </p:blipFill>
         <p:spPr>
           <a:xfrm>
-            <a:off x="6660461" y="2612250"/>
-            <a:ext cx="3202158" cy="2743200"/>
+            <a:off x="4298062" y="2182349"/>
+            <a:ext cx="2286000" cy="1143000"/>
           </a:xfrm>
           <a:prstGeom prst="rect">
             <a:avLst/>
@@ -3116,7 +3452,7 @@
       </p:pic>
       <p:pic>
         <p:nvPicPr>
-          <p:cNvPr id="19" name="Picture 18"/>
+          <p:cNvPr id="18" name="Picture 17"/>
           <p:cNvPicPr>
             <a:picLocks noChangeAspect="1"/>
           </p:cNvPicPr>
@@ -3136,8 +3472,8 @@
         </p:blipFill>
         <p:spPr>
           <a:xfrm>
-            <a:off x="3106733" y="2845350"/>
-            <a:ext cx="3202158" cy="2743200"/>
+            <a:off x="7779337" y="2113312"/>
+            <a:ext cx="2428875" cy="1123950"/>
           </a:xfrm>
           <a:prstGeom prst="rect">
             <a:avLst/>
@@ -3146,7 +3482,7 @@
       </p:pic>
       <p:pic>
         <p:nvPicPr>
-          <p:cNvPr id="20" name="Picture 19"/>
+          <p:cNvPr id="19" name="Picture 18"/>
           <p:cNvPicPr>
             <a:picLocks noChangeAspect="1"/>
           </p:cNvPicPr>
@@ -3166,8 +3502,8 @@
         </p:blipFill>
         <p:spPr>
           <a:xfrm>
-            <a:off x="3004" y="2845350"/>
-            <a:ext cx="3202158" cy="2743200"/>
+            <a:off x="704849" y="3997987"/>
+            <a:ext cx="2552700" cy="1104900"/>
           </a:xfrm>
           <a:prstGeom prst="rect">
             <a:avLst/>
@@ -3176,7 +3512,7 @@
       </p:pic>
       <p:pic>
         <p:nvPicPr>
-          <p:cNvPr id="21" name="Picture 20"/>
+          <p:cNvPr id="20" name="Picture 19"/>
           <p:cNvPicPr>
             <a:picLocks noChangeAspect="1"/>
           </p:cNvPicPr>
@@ -3196,8 +3532,8 @@
         </p:blipFill>
         <p:spPr>
           <a:xfrm>
-            <a:off x="6660461" y="42750"/>
-            <a:ext cx="3202158" cy="2743200"/>
+            <a:off x="4298062" y="3893061"/>
+            <a:ext cx="2676525" cy="1247775"/>
           </a:xfrm>
           <a:prstGeom prst="rect">
             <a:avLst/>
@@ -3206,7 +3542,7 @@
       </p:pic>
       <p:pic>
         <p:nvPicPr>
-          <p:cNvPr id="22" name="Picture 21"/>
+          <p:cNvPr id="21" name="Picture 20"/>
           <p:cNvPicPr>
             <a:picLocks noChangeAspect="1"/>
           </p:cNvPicPr>
@@ -3226,48 +3562,432 @@
         </p:blipFill>
         <p:spPr>
           <a:xfrm>
-            <a:off x="3205162" y="42750"/>
-            <a:ext cx="3452909" cy="2743200"/>
+            <a:off x="7841137" y="3959887"/>
+            <a:ext cx="2590800" cy="1143000"/>
           </a:xfrm>
           <a:prstGeom prst="rect">
             <a:avLst/>
           </a:prstGeom>
         </p:spPr>
       </p:pic>
-      <p:pic>
-        <p:nvPicPr>
-          <p:cNvPr id="23" name="Picture 22"/>
-          <p:cNvPicPr>
-            <a:picLocks noChangeAspect="1"/>
-          </p:cNvPicPr>
+      <p:sp>
+        <p:nvSpPr>
+          <p:cNvPr id="22" name="Rectangle 21"/>
+          <p:cNvSpPr/>
           <p:nvPr/>
-        </p:nvPicPr>
-        <p:blipFill>
-          <a:blip r:embed="rId11">
-            <a:extLst>
-              <a:ext uri="{28A0092B-C50C-407E-A947-70E740481C1C}">
-                <a14:useLocalDpi xmlns:a14="http://schemas.microsoft.com/office/drawing/2010/main" val="0"/>
-              </a:ext>
-            </a:extLst>
-          </a:blip>
-          <a:stretch>
-            <a:fillRect/>
-          </a:stretch>
-        </p:blipFill>
-        <p:spPr>
-          <a:xfrm>
-            <a:off x="3004" y="33300"/>
-            <a:ext cx="3202158" cy="2743200"/>
+        </p:nvSpPr>
+        <p:spPr>
+          <a:xfrm>
+            <a:off x="4840986" y="2875233"/>
+            <a:ext cx="219075" cy="209550"/>
           </a:xfrm>
           <a:prstGeom prst="rect">
             <a:avLst/>
           </a:prstGeom>
-        </p:spPr>
-      </p:pic>
+          <a:noFill/>
+          <a:ln w="19050">
+            <a:solidFill>
+              <a:srgbClr val="FF0000"/>
+            </a:solidFill>
+          </a:ln>
+        </p:spPr>
+        <p:style>
+          <a:lnRef idx="2">
+            <a:schemeClr val="accent1">
+              <a:shade val="50000"/>
+            </a:schemeClr>
+          </a:lnRef>
+          <a:fillRef idx="1">
+            <a:schemeClr val="accent1"/>
+          </a:fillRef>
+          <a:effectRef idx="0">
+            <a:schemeClr val="accent1"/>
+          </a:effectRef>
+          <a:fontRef idx="minor">
+            <a:schemeClr val="lt1"/>
+          </a:fontRef>
+        </p:style>
+        <p:txBody>
+          <a:bodyPr rtlCol="0" anchor="ctr"/>
+          <a:lstStyle/>
+          <a:p>
+            <a:pPr algn="ctr"/>
+            <a:endParaRPr lang="en-US"/>
+          </a:p>
+        </p:txBody>
+      </p:sp>
+      <p:sp>
+        <p:nvSpPr>
+          <p:cNvPr id="23" name="Rectangle 22"/>
+          <p:cNvSpPr/>
+          <p:nvPr/>
+        </p:nvSpPr>
+        <p:spPr>
+          <a:xfrm>
+            <a:off x="1159573" y="2787326"/>
+            <a:ext cx="219075" cy="209550"/>
+          </a:xfrm>
+          <a:prstGeom prst="rect">
+            <a:avLst/>
+          </a:prstGeom>
+          <a:noFill/>
+          <a:ln w="19050">
+            <a:solidFill>
+              <a:srgbClr val="FF0000"/>
+            </a:solidFill>
+          </a:ln>
+        </p:spPr>
+        <p:style>
+          <a:lnRef idx="2">
+            <a:schemeClr val="accent1">
+              <a:shade val="50000"/>
+            </a:schemeClr>
+          </a:lnRef>
+          <a:fillRef idx="1">
+            <a:schemeClr val="accent1"/>
+          </a:fillRef>
+          <a:effectRef idx="0">
+            <a:schemeClr val="accent1"/>
+          </a:effectRef>
+          <a:fontRef idx="minor">
+            <a:schemeClr val="lt1"/>
+          </a:fontRef>
+        </p:style>
+        <p:txBody>
+          <a:bodyPr rtlCol="0" anchor="ctr"/>
+          <a:lstStyle/>
+          <a:p>
+            <a:pPr algn="ctr"/>
+            <a:endParaRPr lang="en-US"/>
+          </a:p>
+        </p:txBody>
+      </p:sp>
+      <p:sp>
+        <p:nvSpPr>
+          <p:cNvPr id="24" name="Rectangle 23"/>
+          <p:cNvSpPr/>
+          <p:nvPr/>
+        </p:nvSpPr>
+        <p:spPr>
+          <a:xfrm>
+            <a:off x="8255698" y="1194259"/>
+            <a:ext cx="219075" cy="209550"/>
+          </a:xfrm>
+          <a:prstGeom prst="rect">
+            <a:avLst/>
+          </a:prstGeom>
+          <a:noFill/>
+          <a:ln w="19050">
+            <a:solidFill>
+              <a:srgbClr val="FF0000"/>
+            </a:solidFill>
+          </a:ln>
+        </p:spPr>
+        <p:style>
+          <a:lnRef idx="2">
+            <a:schemeClr val="accent1">
+              <a:shade val="50000"/>
+            </a:schemeClr>
+          </a:lnRef>
+          <a:fillRef idx="1">
+            <a:schemeClr val="accent1"/>
+          </a:fillRef>
+          <a:effectRef idx="0">
+            <a:schemeClr val="accent1"/>
+          </a:effectRef>
+          <a:fontRef idx="minor">
+            <a:schemeClr val="lt1"/>
+          </a:fontRef>
+        </p:style>
+        <p:txBody>
+          <a:bodyPr rtlCol="0" anchor="ctr"/>
+          <a:lstStyle/>
+          <a:p>
+            <a:pPr algn="ctr"/>
+            <a:endParaRPr lang="en-US"/>
+          </a:p>
+        </p:txBody>
+      </p:sp>
+      <p:sp>
+        <p:nvSpPr>
+          <p:cNvPr id="25" name="Rectangle 24"/>
+          <p:cNvSpPr/>
+          <p:nvPr/>
+        </p:nvSpPr>
+        <p:spPr>
+          <a:xfrm>
+            <a:off x="4788598" y="1244317"/>
+            <a:ext cx="219075" cy="209550"/>
+          </a:xfrm>
+          <a:prstGeom prst="rect">
+            <a:avLst/>
+          </a:prstGeom>
+          <a:noFill/>
+          <a:ln w="19050">
+            <a:solidFill>
+              <a:srgbClr val="FF0000"/>
+            </a:solidFill>
+          </a:ln>
+        </p:spPr>
+        <p:style>
+          <a:lnRef idx="2">
+            <a:schemeClr val="accent1">
+              <a:shade val="50000"/>
+            </a:schemeClr>
+          </a:lnRef>
+          <a:fillRef idx="1">
+            <a:schemeClr val="accent1"/>
+          </a:fillRef>
+          <a:effectRef idx="0">
+            <a:schemeClr val="accent1"/>
+          </a:effectRef>
+          <a:fontRef idx="minor">
+            <a:schemeClr val="lt1"/>
+          </a:fontRef>
+        </p:style>
+        <p:txBody>
+          <a:bodyPr rtlCol="0" anchor="ctr"/>
+          <a:lstStyle/>
+          <a:p>
+            <a:pPr algn="ctr"/>
+            <a:endParaRPr lang="en-US"/>
+          </a:p>
+        </p:txBody>
+      </p:sp>
+      <p:sp>
+        <p:nvSpPr>
+          <p:cNvPr id="26" name="Rectangle 25"/>
+          <p:cNvSpPr/>
+          <p:nvPr/>
+        </p:nvSpPr>
+        <p:spPr>
+          <a:xfrm>
+            <a:off x="1092898" y="1206217"/>
+            <a:ext cx="219075" cy="209550"/>
+          </a:xfrm>
+          <a:prstGeom prst="rect">
+            <a:avLst/>
+          </a:prstGeom>
+          <a:noFill/>
+          <a:ln w="19050">
+            <a:solidFill>
+              <a:srgbClr val="FF0000"/>
+            </a:solidFill>
+          </a:ln>
+        </p:spPr>
+        <p:style>
+          <a:lnRef idx="2">
+            <a:schemeClr val="accent1">
+              <a:shade val="50000"/>
+            </a:schemeClr>
+          </a:lnRef>
+          <a:fillRef idx="1">
+            <a:schemeClr val="accent1"/>
+          </a:fillRef>
+          <a:effectRef idx="0">
+            <a:schemeClr val="accent1"/>
+          </a:effectRef>
+          <a:fontRef idx="minor">
+            <a:schemeClr val="lt1"/>
+          </a:fontRef>
+        </p:style>
+        <p:txBody>
+          <a:bodyPr rtlCol="0" anchor="ctr"/>
+          <a:lstStyle/>
+          <a:p>
+            <a:pPr algn="ctr"/>
+            <a:endParaRPr lang="en-US"/>
+          </a:p>
+        </p:txBody>
+      </p:sp>
+      <p:sp>
+        <p:nvSpPr>
+          <p:cNvPr id="27" name="Rectangle 26"/>
+          <p:cNvSpPr/>
+          <p:nvPr/>
+        </p:nvSpPr>
+        <p:spPr>
+          <a:xfrm>
+            <a:off x="8284273" y="2768170"/>
+            <a:ext cx="219075" cy="209550"/>
+          </a:xfrm>
+          <a:prstGeom prst="rect">
+            <a:avLst/>
+          </a:prstGeom>
+          <a:noFill/>
+          <a:ln w="19050">
+            <a:solidFill>
+              <a:srgbClr val="FF0000"/>
+            </a:solidFill>
+          </a:ln>
+        </p:spPr>
+        <p:style>
+          <a:lnRef idx="2">
+            <a:schemeClr val="accent1">
+              <a:shade val="50000"/>
+            </a:schemeClr>
+          </a:lnRef>
+          <a:fillRef idx="1">
+            <a:schemeClr val="accent1"/>
+          </a:fillRef>
+          <a:effectRef idx="0">
+            <a:schemeClr val="accent1"/>
+          </a:effectRef>
+          <a:fontRef idx="minor">
+            <a:schemeClr val="lt1"/>
+          </a:fontRef>
+        </p:style>
+        <p:txBody>
+          <a:bodyPr rtlCol="0" anchor="ctr"/>
+          <a:lstStyle/>
+          <a:p>
+            <a:pPr algn="ctr"/>
+            <a:endParaRPr lang="en-US"/>
+          </a:p>
+        </p:txBody>
+      </p:sp>
+      <p:sp>
+        <p:nvSpPr>
+          <p:cNvPr id="28" name="Rectangle 27"/>
+          <p:cNvSpPr/>
+          <p:nvPr/>
+        </p:nvSpPr>
+        <p:spPr>
+          <a:xfrm>
+            <a:off x="1183386" y="4611367"/>
+            <a:ext cx="219075" cy="209550"/>
+          </a:xfrm>
+          <a:prstGeom prst="rect">
+            <a:avLst/>
+          </a:prstGeom>
+          <a:noFill/>
+          <a:ln w="19050">
+            <a:solidFill>
+              <a:srgbClr val="FF0000"/>
+            </a:solidFill>
+          </a:ln>
+        </p:spPr>
+        <p:style>
+          <a:lnRef idx="2">
+            <a:schemeClr val="accent1">
+              <a:shade val="50000"/>
+            </a:schemeClr>
+          </a:lnRef>
+          <a:fillRef idx="1">
+            <a:schemeClr val="accent1"/>
+          </a:fillRef>
+          <a:effectRef idx="0">
+            <a:schemeClr val="accent1"/>
+          </a:effectRef>
+          <a:fontRef idx="minor">
+            <a:schemeClr val="lt1"/>
+          </a:fontRef>
+        </p:style>
+        <p:txBody>
+          <a:bodyPr rtlCol="0" anchor="ctr"/>
+          <a:lstStyle/>
+          <a:p>
+            <a:pPr algn="ctr"/>
+            <a:endParaRPr lang="en-US"/>
+          </a:p>
+        </p:txBody>
+      </p:sp>
+      <p:sp>
+        <p:nvSpPr>
+          <p:cNvPr id="29" name="Rectangle 28"/>
+          <p:cNvSpPr/>
+          <p:nvPr/>
+        </p:nvSpPr>
+        <p:spPr>
+          <a:xfrm>
+            <a:off x="4840986" y="4716142"/>
+            <a:ext cx="219075" cy="209550"/>
+          </a:xfrm>
+          <a:prstGeom prst="rect">
+            <a:avLst/>
+          </a:prstGeom>
+          <a:noFill/>
+          <a:ln w="19050">
+            <a:solidFill>
+              <a:srgbClr val="FF0000"/>
+            </a:solidFill>
+          </a:ln>
+        </p:spPr>
+        <p:style>
+          <a:lnRef idx="2">
+            <a:schemeClr val="accent1">
+              <a:shade val="50000"/>
+            </a:schemeClr>
+          </a:lnRef>
+          <a:fillRef idx="1">
+            <a:schemeClr val="accent1"/>
+          </a:fillRef>
+          <a:effectRef idx="0">
+            <a:schemeClr val="accent1"/>
+          </a:effectRef>
+          <a:fontRef idx="minor">
+            <a:schemeClr val="lt1"/>
+          </a:fontRef>
+        </p:style>
+        <p:txBody>
+          <a:bodyPr rtlCol="0" anchor="ctr"/>
+          <a:lstStyle/>
+          <a:p>
+            <a:pPr algn="ctr"/>
+            <a:endParaRPr lang="en-US"/>
+          </a:p>
+        </p:txBody>
+      </p:sp>
+      <p:sp>
+        <p:nvSpPr>
+          <p:cNvPr id="30" name="Rectangle 29"/>
+          <p:cNvSpPr/>
+          <p:nvPr/>
+        </p:nvSpPr>
+        <p:spPr>
+          <a:xfrm>
+            <a:off x="8336661" y="4631583"/>
+            <a:ext cx="219075" cy="209550"/>
+          </a:xfrm>
+          <a:prstGeom prst="rect">
+            <a:avLst/>
+          </a:prstGeom>
+          <a:noFill/>
+          <a:ln w="19050">
+            <a:solidFill>
+              <a:srgbClr val="FF0000"/>
+            </a:solidFill>
+          </a:ln>
+        </p:spPr>
+        <p:style>
+          <a:lnRef idx="2">
+            <a:schemeClr val="accent1">
+              <a:shade val="50000"/>
+            </a:schemeClr>
+          </a:lnRef>
+          <a:fillRef idx="1">
+            <a:schemeClr val="accent1"/>
+          </a:fillRef>
+          <a:effectRef idx="0">
+            <a:schemeClr val="accent1"/>
+          </a:effectRef>
+          <a:fontRef idx="minor">
+            <a:schemeClr val="lt1"/>
+          </a:fontRef>
+        </p:style>
+        <p:txBody>
+          <a:bodyPr rtlCol="0" anchor="ctr"/>
+          <a:lstStyle/>
+          <a:p>
+            <a:pPr algn="ctr"/>
+            <a:endParaRPr lang="en-US"/>
+          </a:p>
+        </p:txBody>
+      </p:sp>
     </p:spTree>
     <p:extLst>
       <p:ext uri="{BB962C8B-B14F-4D97-AF65-F5344CB8AC3E}">
-        <p14:creationId xmlns:p14="http://schemas.microsoft.com/office/powerpoint/2010/main" val="2154693636"/>
+        <p14:creationId xmlns:p14="http://schemas.microsoft.com/office/powerpoint/2010/main" val="3211866410"/>
       </p:ext>
     </p:extLst>
   </p:cSld>
